--- a/07_Business Rules with PL SQL/07-01_en_Business Rules with PL SQL (1).pptx
+++ b/07_Business Rules with PL SQL/07-01_en_Business Rules with PL SQL (1).pptx
@@ -10,6 +10,7 @@
     <p:sldId id="545" r:id="rId4"/>
     <p:sldId id="553" r:id="rId5"/>
     <p:sldId id="554" r:id="rId6"/>
+    <p:sldId id="555" r:id="rId7"/>
   </p:sldIdLst>
   <p:sldSz cx="9144000" cy="6858000" type="screen4x3"/>
   <p:notesSz cx="6858000" cy="9144000"/>
@@ -5947,13 +5948,13 @@
         </p:nvSpPr>
         <p:spPr>
           <a:xfrm>
-            <a:off x="228600" y="76200"/>
-            <a:ext cx="8686800" cy="1143000"/>
+            <a:off x="0" y="76200"/>
+            <a:ext cx="8915400" cy="1143000"/>
           </a:xfrm>
         </p:spPr>
         <p:txBody>
           <a:bodyPr anchor="ctr">
-            <a:normAutofit/>
+            <a:normAutofit fontScale="90000"/>
           </a:bodyPr>
           <a:lstStyle/>
           <a:p>
@@ -5964,7 +5965,7 @@
                 <a:ea typeface="Arial Unicode MS" panose="020B0604020202020204" pitchFamily="34" charset="-128"/>
                 <a:cs typeface="American Typewriter"/>
               </a:rPr>
-              <a:t>07-01a_BusinessRules1__basic_BR.sql</a:t>
+              <a:t>07-01b_BusinessRules2__invoice_locking.sql</a:t>
             </a:r>
             <a:endParaRPr lang="en-US" sz="3600" dirty="0">
               <a:latin typeface="American Typewriter"/>
@@ -5992,7 +5993,7 @@
         </p:spPr>
         <p:txBody>
           <a:bodyPr>
-            <a:normAutofit fontScale="85000" lnSpcReduction="20000"/>
+            <a:normAutofit/>
           </a:bodyPr>
           <a:lstStyle/>
           <a:p>
@@ -6010,311 +6011,44 @@
                 <a:latin typeface="Avenir Medium"/>
                 <a:cs typeface="Avenir Medium"/>
               </a:rPr>
-              <a:t>Date/timestamp attribute synchronization for attributes in the same table</a:t>
-            </a:r>
-          </a:p>
-          <a:p>
-            <a:pPr lvl="1"/>
-            <a:r>
-              <a:rPr lang="en" sz="2000" dirty="0">
-                <a:latin typeface="Avenir Medium"/>
-                <a:cs typeface="Avenir Medium"/>
-              </a:rPr>
-              <a:t>"</a:t>
-            </a:r>
-            <a:r>
-              <a:rPr lang="en" sz="2000" dirty="0" err="1">
-                <a:latin typeface="Avenir Medium"/>
-                <a:cs typeface="Avenir Medium"/>
-              </a:rPr>
-              <a:t>former_contacts.from</a:t>
-            </a:r>
-            <a:r>
-              <a:rPr lang="en" sz="2000" dirty="0">
-                <a:latin typeface="Avenir Medium"/>
-                <a:cs typeface="Avenir Medium"/>
-              </a:rPr>
-              <a:t>_" must precede "</a:t>
-            </a:r>
-            <a:r>
-              <a:rPr lang="en" sz="2000" dirty="0" err="1">
-                <a:latin typeface="Avenir Medium"/>
-                <a:cs typeface="Avenir Medium"/>
-              </a:rPr>
-              <a:t>former_contacts.to</a:t>
-            </a:r>
-            <a:r>
-              <a:rPr lang="en" sz="2000" dirty="0">
-                <a:latin typeface="Avenir Medium"/>
-                <a:cs typeface="Avenir Medium"/>
-              </a:rPr>
-              <a:t>_"</a:t>
-            </a:r>
-          </a:p>
-          <a:p>
-            <a:pPr lvl="1"/>
-            <a:r>
-              <a:rPr lang="en" sz="2000" dirty="0">
-                <a:latin typeface="Avenir Medium"/>
-                <a:cs typeface="Avenir Medium"/>
-              </a:rPr>
-              <a:t>"</a:t>
-            </a:r>
-            <a:r>
-              <a:rPr lang="en" sz="2000" dirty="0" err="1">
-                <a:latin typeface="Avenir Medium"/>
-                <a:cs typeface="Avenir Medium"/>
-              </a:rPr>
-              <a:t>former_vat_percents.date_start</a:t>
-            </a:r>
-            <a:r>
-              <a:rPr lang="en" sz="2000" dirty="0">
-                <a:latin typeface="Avenir Medium"/>
-                <a:cs typeface="Avenir Medium"/>
-              </a:rPr>
-              <a:t>" must precede "</a:t>
-            </a:r>
-            <a:r>
-              <a:rPr lang="en" sz="2000" dirty="0" err="1">
-                <a:latin typeface="Avenir Medium"/>
-                <a:cs typeface="Avenir Medium"/>
-              </a:rPr>
-              <a:t>former_vat_percents.date_until</a:t>
-            </a:r>
-            <a:r>
-              <a:rPr lang="en" sz="2000" dirty="0">
-                <a:latin typeface="Avenir Medium"/>
-                <a:cs typeface="Avenir Medium"/>
-              </a:rPr>
-              <a:t>"</a:t>
-            </a:r>
-          </a:p>
-          <a:p>
-            <a:pPr lvl="1"/>
-            <a:r>
-              <a:rPr lang="en" sz="2000" dirty="0">
-                <a:latin typeface="Avenir Medium"/>
-                <a:cs typeface="Avenir Medium"/>
-              </a:rPr>
-              <a:t>"</a:t>
-            </a:r>
-            <a:r>
-              <a:rPr lang="en" sz="2000" dirty="0" err="1">
-                <a:latin typeface="Avenir Medium"/>
-                <a:cs typeface="Avenir Medium"/>
-              </a:rPr>
-              <a:t>receipts.receipt_docum_date</a:t>
-            </a:r>
-            <a:r>
-              <a:rPr lang="en" sz="2000" dirty="0">
-                <a:latin typeface="Avenir Medium"/>
-                <a:cs typeface="Avenir Medium"/>
-              </a:rPr>
-              <a:t>" must precede "</a:t>
-            </a:r>
-            <a:r>
-              <a:rPr lang="en" sz="2000" dirty="0" err="1">
-                <a:latin typeface="Avenir Medium"/>
-                <a:cs typeface="Avenir Medium"/>
-              </a:rPr>
-              <a:t>receipts.receipt_date</a:t>
-            </a:r>
-            <a:r>
-              <a:rPr lang="en" sz="2000" dirty="0">
-                <a:latin typeface="Avenir Medium"/>
-                <a:cs typeface="Avenir Medium"/>
-              </a:rPr>
-              <a:t>"</a:t>
-            </a:r>
-            <a:endParaRPr lang="en" sz="2400" dirty="0">
-              <a:latin typeface="Avenir Medium"/>
-              <a:cs typeface="Avenir Medium"/>
-            </a:endParaRPr>
-          </a:p>
-          <a:p>
+              <a:t>In table "invoices" there is attribute called "</a:t>
+            </a:r>
+            <a:r>
+              <a:rPr lang="en" sz="2400" dirty="0" err="1">
+                <a:latin typeface="Avenir Medium"/>
+                <a:cs typeface="Avenir Medium"/>
+              </a:rPr>
+              <a:t>is_closed</a:t>
+            </a:r>
             <a:r>
               <a:rPr lang="en" sz="2400" dirty="0">
                 <a:latin typeface="Avenir Medium"/>
                 <a:cs typeface="Avenir Medium"/>
               </a:rPr>
-              <a:t>Date/timestamp attribute synchronization for attributes in different tables </a:t>
-            </a:r>
-          </a:p>
-          <a:p>
-            <a:pPr lvl="1"/>
-            <a:r>
-              <a:rPr lang="en" sz="2000" dirty="0">
-                <a:latin typeface="Avenir Medium"/>
-                <a:cs typeface="Avenir Medium"/>
-              </a:rPr>
-              <a:t>"</a:t>
-            </a:r>
-            <a:r>
-              <a:rPr lang="en" sz="2000" dirty="0" err="1">
-                <a:latin typeface="Avenir Medium"/>
-                <a:cs typeface="Avenir Medium"/>
-              </a:rPr>
-              <a:t>cancelled_invoices.cancellation_dt</a:t>
-            </a:r>
-            <a:r>
-              <a:rPr lang="en" sz="2000" dirty="0">
-                <a:latin typeface="Avenir Medium"/>
-                <a:cs typeface="Avenir Medium"/>
-              </a:rPr>
-              <a:t>" cannot </a:t>
-            </a:r>
-            <a:r>
-              <a:rPr lang="en" sz="2000" dirty="0" err="1">
-                <a:latin typeface="Avenir Medium"/>
-                <a:cs typeface="Avenir Medium"/>
-              </a:rPr>
-              <a:t>preceed</a:t>
-            </a:r>
-            <a:r>
-              <a:rPr lang="en" sz="2000" dirty="0">
-                <a:latin typeface="Avenir Medium"/>
-                <a:cs typeface="Avenir Medium"/>
-              </a:rPr>
-              <a:t> "</a:t>
-            </a:r>
-            <a:r>
-              <a:rPr lang="en" sz="2000" dirty="0" err="1">
-                <a:latin typeface="Avenir Medium"/>
-                <a:cs typeface="Avenir Medium"/>
-              </a:rPr>
-              <a:t>invoices.invoice_date</a:t>
-            </a:r>
-            <a:r>
-              <a:rPr lang="en" sz="2000" dirty="0">
-                <a:latin typeface="Avenir Medium"/>
-                <a:cs typeface="Avenir Medium"/>
-              </a:rPr>
-              <a:t>” </a:t>
-            </a:r>
+              <a:t>".</a:t>
+            </a:r>
+          </a:p>
+          <a:p>
             <a:r>
               <a:rPr lang="en" sz="2400" dirty="0">
                 <a:latin typeface="Avenir Medium"/>
                 <a:cs typeface="Avenir Medium"/>
               </a:rPr>
-              <a:t>"</a:t>
+              <a:t>It acts like a flag. When "</a:t>
             </a:r>
             <a:r>
               <a:rPr lang="en" sz="2400" dirty="0" err="1">
                 <a:latin typeface="Avenir Medium"/>
                 <a:cs typeface="Avenir Medium"/>
               </a:rPr>
-              <a:t>cancelled_invoices</a:t>
+              <a:t>is_closed</a:t>
             </a:r>
             <a:r>
               <a:rPr lang="en" sz="2400" dirty="0">
                 <a:latin typeface="Avenir Medium"/>
                 <a:cs typeface="Avenir Medium"/>
               </a:rPr>
-              <a:t>" and "invoices" tables synchronization)</a:t>
-            </a:r>
-          </a:p>
-          <a:p>
-            <a:pPr lvl="1"/>
-            <a:r>
-              <a:rPr lang="en" sz="2000" dirty="0">
-                <a:latin typeface="Avenir Medium"/>
-                <a:cs typeface="Avenir Medium"/>
-              </a:rPr>
-              <a:t>"</a:t>
-            </a:r>
-            <a:r>
-              <a:rPr lang="en" sz="2000" dirty="0" err="1">
-                <a:latin typeface="Avenir Medium"/>
-                <a:cs typeface="Avenir Medium"/>
-              </a:rPr>
-              <a:t>receipt_details.receipt_date</a:t>
-            </a:r>
-            <a:r>
-              <a:rPr lang="en" sz="2000" dirty="0">
-                <a:latin typeface="Avenir Medium"/>
-                <a:cs typeface="Avenir Medium"/>
-              </a:rPr>
-              <a:t>" cannot </a:t>
-            </a:r>
-            <a:r>
-              <a:rPr lang="en" sz="2000" dirty="0" err="1">
-                <a:latin typeface="Avenir Medium"/>
-                <a:cs typeface="Avenir Medium"/>
-              </a:rPr>
-              <a:t>preceed</a:t>
-            </a:r>
-            <a:r>
-              <a:rPr lang="en" sz="2000" dirty="0">
-                <a:latin typeface="Avenir Medium"/>
-                <a:cs typeface="Avenir Medium"/>
-              </a:rPr>
-              <a:t> "</a:t>
-            </a:r>
-            <a:r>
-              <a:rPr lang="en" sz="2000" dirty="0" err="1">
-                <a:latin typeface="Avenir Medium"/>
-                <a:cs typeface="Avenir Medium"/>
-              </a:rPr>
-              <a:t>invoices.invoice_date</a:t>
-            </a:r>
-            <a:r>
-              <a:rPr lang="en" sz="2000" dirty="0">
-                <a:latin typeface="Avenir Medium"/>
-                <a:cs typeface="Avenir Medium"/>
-              </a:rPr>
-              <a:t>  for current paid invoice</a:t>
-            </a:r>
-          </a:p>
-          <a:p>
-            <a:pPr lvl="1"/>
-            <a:r>
-              <a:rPr lang="en" sz="2000" dirty="0">
-                <a:latin typeface="Avenir Medium"/>
-                <a:cs typeface="Avenir Medium"/>
-              </a:rPr>
-              <a:t>"</a:t>
-            </a:r>
-            <a:r>
-              <a:rPr lang="en" sz="2000" dirty="0" err="1">
-                <a:latin typeface="Avenir Medium"/>
-                <a:cs typeface="Avenir Medium"/>
-              </a:rPr>
-              <a:t>refusals.refusal_dt</a:t>
-            </a:r>
-            <a:r>
-              <a:rPr lang="en" sz="2000" dirty="0">
-                <a:latin typeface="Avenir Medium"/>
-                <a:cs typeface="Avenir Medium"/>
-              </a:rPr>
-              <a:t>" cannot </a:t>
-            </a:r>
-            <a:r>
-              <a:rPr lang="en" sz="2000" dirty="0" err="1">
-                <a:latin typeface="Avenir Medium"/>
-                <a:cs typeface="Avenir Medium"/>
-              </a:rPr>
-              <a:t>preceed</a:t>
-            </a:r>
-            <a:r>
-              <a:rPr lang="en" sz="2000" dirty="0">
-                <a:latin typeface="Avenir Medium"/>
-                <a:cs typeface="Avenir Medium"/>
-              </a:rPr>
-              <a:t> "</a:t>
-            </a:r>
-            <a:r>
-              <a:rPr lang="en" sz="2000" dirty="0" err="1">
-                <a:latin typeface="Avenir Medium"/>
-                <a:cs typeface="Avenir Medium"/>
-              </a:rPr>
-              <a:t>invoices.invoice_date</a:t>
-            </a:r>
-            <a:r>
-              <a:rPr lang="en" sz="2000" dirty="0">
-                <a:latin typeface="Avenir Medium"/>
-                <a:cs typeface="Avenir Medium"/>
-              </a:rPr>
-              <a:t>”  (both "refusals" and "invoices" tables synchronization</a:t>
+              <a:t>" is set on "Y" (Yes), an invoice cannot be edited, but only paid, cancelled or refused</a:t>
             </a:r>
           </a:p>
           <a:p>
@@ -6323,32 +6057,59 @@
                 <a:latin typeface="Avenir Medium"/>
                 <a:cs typeface="Avenir Medium"/>
               </a:rPr>
-              <a:t>Other simple business rules</a:t>
-            </a:r>
-          </a:p>
-          <a:p>
-            <a:pPr lvl="1"/>
-            <a:r>
-              <a:rPr lang="en" sz="2000" dirty="0">
-                <a:latin typeface="Avenir Medium"/>
-                <a:cs typeface="Avenir Medium"/>
-              </a:rPr>
-              <a:t>invoices paid with the same receipt cannot refer to two or more customers (each payment/receipt is made by a single customer for its invoice(s)</a:t>
-            </a:r>
-          </a:p>
-          <a:p>
-            <a:pPr lvl="1"/>
-            <a:r>
-              <a:rPr lang="en" sz="2000" dirty="0">
-                <a:latin typeface="Avenir Medium"/>
-                <a:cs typeface="Avenir Medium"/>
-              </a:rPr>
-              <a:t>a product cannot change VAT percent more than once in the same day</a:t>
-            </a:r>
-            <a:endParaRPr lang="ro-RO" sz="2000" dirty="0">
-              <a:latin typeface="Avenir Medium"/>
-              <a:cs typeface="Avenir Medium"/>
-            </a:endParaRPr>
+              <a:t>UPDATE triggers for tables "invoices" and "</a:t>
+            </a:r>
+            <a:r>
+              <a:rPr lang="en" sz="2400" dirty="0" err="1">
+                <a:latin typeface="Avenir Medium"/>
+                <a:cs typeface="Avenir Medium"/>
+              </a:rPr>
+              <a:t>invoice_details</a:t>
+            </a:r>
+            <a:r>
+              <a:rPr lang="en" sz="2400" dirty="0">
+                <a:latin typeface="Avenir Medium"/>
+                <a:cs typeface="Avenir Medium"/>
+              </a:rPr>
+              <a:t>" must check the value of "</a:t>
+            </a:r>
+            <a:r>
+              <a:rPr lang="en" sz="2400" dirty="0" err="1">
+                <a:latin typeface="Avenir Medium"/>
+                <a:cs typeface="Avenir Medium"/>
+              </a:rPr>
+              <a:t>invoices.is_closed</a:t>
+            </a:r>
+            <a:r>
+              <a:rPr lang="en" sz="2400" dirty="0">
+                <a:latin typeface="Avenir Medium"/>
+                <a:cs typeface="Avenir Medium"/>
+              </a:rPr>
+              <a:t>" and reject detail changes of closed invoices; </a:t>
+            </a:r>
+          </a:p>
+          <a:p>
+            <a:r>
+              <a:rPr lang="en" sz="2400" dirty="0">
+                <a:latin typeface="Avenir Medium"/>
+                <a:cs typeface="Avenir Medium"/>
+              </a:rPr>
+              <a:t>Additionally, "</a:t>
+            </a:r>
+            <a:r>
+              <a:rPr lang="en" sz="2400" dirty="0" err="1">
+                <a:latin typeface="Avenir Medium"/>
+                <a:cs typeface="Avenir Medium"/>
+              </a:rPr>
+              <a:t>invoices.is_closed</a:t>
+            </a:r>
+            <a:r>
+              <a:rPr lang="en" sz="2400" dirty="0">
+                <a:latin typeface="Avenir Medium"/>
+                <a:cs typeface="Avenir Medium"/>
+              </a:rPr>
+              <a:t>" must be changed only by an authorized user of the database</a:t>
+            </a:r>
           </a:p>
           <a:p>
             <a:pPr marL="82296" indent="0">
@@ -6439,6 +6200,245 @@
     <p:extLst>
       <p:ext uri="{BB962C8B-B14F-4D97-AF65-F5344CB8AC3E}">
         <p14:creationId xmlns:p14="http://schemas.microsoft.com/office/powerpoint/2010/main" val="1634036906"/>
+      </p:ext>
+    </p:extLst>
+  </p:cSld>
+  <p:clrMapOvr>
+    <a:masterClrMapping/>
+  </p:clrMapOvr>
+  <p:transition>
+    <p:random/>
+  </p:transition>
+</p:sld>
+</file>
+
+<file path=ppt/slides/slide6.xml><?xml version="1.0" encoding="utf-8"?>
+<p:sld xmlns:a="http://schemas.openxmlformats.org/drawingml/2006/main" xmlns:r="http://schemas.openxmlformats.org/officeDocument/2006/relationships" xmlns:p="http://schemas.openxmlformats.org/presentationml/2006/main">
+  <p:cSld>
+    <p:spTree>
+      <p:nvGrpSpPr>
+        <p:cNvPr id="1" name=""/>
+        <p:cNvGrpSpPr/>
+        <p:nvPr/>
+      </p:nvGrpSpPr>
+      <p:grpSpPr>
+        <a:xfrm>
+          <a:off x="0" y="0"/>
+          <a:ext cx="0" cy="0"/>
+          <a:chOff x="0" y="0"/>
+          <a:chExt cx="0" cy="0"/>
+        </a:xfrm>
+      </p:grpSpPr>
+      <p:sp>
+        <p:nvSpPr>
+          <p:cNvPr id="2" name="Title 1"/>
+          <p:cNvSpPr>
+            <a:spLocks noGrp="1"/>
+          </p:cNvSpPr>
+          <p:nvPr>
+            <p:ph type="title"/>
+          </p:nvPr>
+        </p:nvSpPr>
+        <p:spPr>
+          <a:xfrm>
+            <a:off x="228600" y="76200"/>
+            <a:ext cx="8915400" cy="1143000"/>
+          </a:xfrm>
+        </p:spPr>
+        <p:txBody>
+          <a:bodyPr anchor="ctr">
+            <a:normAutofit fontScale="90000"/>
+          </a:bodyPr>
+          <a:lstStyle/>
+          <a:p>
+            <a:pPr algn="ctr"/>
+            <a:r>
+              <a:rPr lang="en" sz="3600" dirty="0">
+                <a:latin typeface="American Typewriter"/>
+                <a:ea typeface="Arial Unicode MS" panose="020B0604020202020204" pitchFamily="34" charset="-128"/>
+                <a:cs typeface="American Typewriter"/>
+              </a:rPr>
+              <a:t>07-01c_BusinessRules3__inv_rows_numbers</a:t>
+            </a:r>
+            <a:endParaRPr lang="en-US" sz="3600" dirty="0">
+              <a:latin typeface="American Typewriter"/>
+              <a:ea typeface="Arial Unicode MS" panose="020B0604020202020204" pitchFamily="34" charset="-128"/>
+              <a:cs typeface="American Typewriter"/>
+            </a:endParaRPr>
+          </a:p>
+        </p:txBody>
+      </p:sp>
+      <p:sp>
+        <p:nvSpPr>
+          <p:cNvPr id="3" name="Content Placeholder 2"/>
+          <p:cNvSpPr>
+            <a:spLocks noGrp="1"/>
+          </p:cNvSpPr>
+          <p:nvPr>
+            <p:ph idx="1"/>
+          </p:nvPr>
+        </p:nvSpPr>
+        <p:spPr>
+          <a:xfrm>
+            <a:off x="838200" y="1143000"/>
+            <a:ext cx="8305800" cy="5715000"/>
+          </a:xfrm>
+        </p:spPr>
+        <p:txBody>
+          <a:bodyPr>
+            <a:normAutofit/>
+          </a:bodyPr>
+          <a:lstStyle/>
+          <a:p>
+            <a:pPr marL="82296" indent="0">
+              <a:buNone/>
+            </a:pPr>
+            <a:endParaRPr lang="ro-RO" sz="2400" dirty="0">
+              <a:latin typeface="Avenir Medium"/>
+              <a:cs typeface="Avenir Medium"/>
+            </a:endParaRPr>
+          </a:p>
+          <a:p>
+            <a:r>
+              <a:rPr lang="en" sz="2400" dirty="0">
+                <a:latin typeface="Avenir Medium"/>
+                <a:cs typeface="Avenir Medium"/>
+              </a:rPr>
+              <a:t>When deleting one or more rows in an invoice, remaining rows of the invoice must be re-numbered</a:t>
+            </a:r>
+          </a:p>
+          <a:p>
+            <a:r>
+              <a:rPr lang="en" sz="2400" dirty="0">
+                <a:latin typeface="Avenir Medium"/>
+                <a:cs typeface="Avenir Medium"/>
+              </a:rPr>
+              <a:t>We'll use a public collection for catching the "</a:t>
+            </a:r>
+            <a:r>
+              <a:rPr lang="en" sz="2400" dirty="0" err="1">
+                <a:latin typeface="Avenir Medium"/>
+                <a:cs typeface="Avenir Medium"/>
+              </a:rPr>
+              <a:t>invoice_id"s</a:t>
+            </a:r>
+            <a:r>
+              <a:rPr lang="en" sz="2400" dirty="0">
+                <a:latin typeface="Avenir Medium"/>
+                <a:cs typeface="Avenir Medium"/>
+              </a:rPr>
+              <a:t> where row re-numbering might be necessary</a:t>
+            </a:r>
+          </a:p>
+          <a:p>
+            <a:r>
+              <a:rPr lang="en" sz="2400" dirty="0">
+                <a:latin typeface="Avenir Medium"/>
+                <a:cs typeface="Avenir Medium"/>
+              </a:rPr>
+              <a:t>All the logic is implemented </a:t>
+            </a:r>
+            <a:r>
+              <a:rPr lang="en" sz="2400">
+                <a:latin typeface="Avenir Medium"/>
+                <a:cs typeface="Avenir Medium"/>
+              </a:rPr>
+              <a:t>with triggers</a:t>
+            </a:r>
+            <a:endParaRPr lang="en" sz="2400" dirty="0">
+              <a:latin typeface="Avenir Medium"/>
+              <a:cs typeface="Avenir Medium"/>
+            </a:endParaRPr>
+          </a:p>
+          <a:p>
+            <a:pPr marL="82296" indent="0">
+              <a:buNone/>
+            </a:pPr>
+            <a:endParaRPr lang="ro-RO" sz="2400" dirty="0">
+              <a:latin typeface="Avenir Medium"/>
+              <a:cs typeface="Avenir Medium"/>
+            </a:endParaRPr>
+          </a:p>
+          <a:p>
+            <a:pPr lvl="1"/>
+            <a:endParaRPr lang="ro-RO" sz="2000" dirty="0">
+              <a:latin typeface="Avenir Medium"/>
+            </a:endParaRPr>
+          </a:p>
+          <a:p>
+            <a:pPr lvl="1"/>
+            <a:endParaRPr lang="ro-RO" sz="2000" dirty="0">
+              <a:latin typeface="Avenir Medium"/>
+            </a:endParaRPr>
+          </a:p>
+          <a:p>
+            <a:pPr lvl="1"/>
+            <a:endParaRPr lang="ro-RO" sz="2000" dirty="0">
+              <a:latin typeface="Avenir Medium"/>
+            </a:endParaRPr>
+          </a:p>
+          <a:p>
+            <a:pPr lvl="3"/>
+            <a:endParaRPr lang="ro-RO" sz="1800" dirty="0">
+              <a:latin typeface="Avenir Medium"/>
+              <a:cs typeface="Avenir Medium"/>
+            </a:endParaRPr>
+          </a:p>
+          <a:p>
+            <a:pPr lvl="4"/>
+            <a:endParaRPr lang="ro-RO" sz="1800" dirty="0">
+              <a:latin typeface="Avenir Medium"/>
+              <a:cs typeface="Avenir Medium"/>
+            </a:endParaRPr>
+          </a:p>
+          <a:p>
+            <a:pPr marL="82296" indent="0">
+              <a:buNone/>
+            </a:pPr>
+            <a:endParaRPr lang="ro-RO" sz="3000" dirty="0">
+              <a:latin typeface="Avenir Medium"/>
+              <a:cs typeface="Avenir Medium"/>
+            </a:endParaRPr>
+          </a:p>
+          <a:p>
+            <a:endParaRPr lang="ro-RO" sz="3000" dirty="0">
+              <a:latin typeface="Avenir Medium"/>
+              <a:cs typeface="Avenir Medium"/>
+            </a:endParaRPr>
+          </a:p>
+          <a:p>
+            <a:pPr marL="82296" indent="0">
+              <a:buNone/>
+            </a:pPr>
+            <a:endParaRPr lang="ro-RO" sz="3000" dirty="0">
+              <a:latin typeface="Avenir Medium"/>
+              <a:cs typeface="Avenir Medium"/>
+            </a:endParaRPr>
+          </a:p>
+          <a:p>
+            <a:endParaRPr lang="ro-RO" sz="3000" dirty="0">
+              <a:latin typeface="Avenir Medium"/>
+              <a:cs typeface="Avenir Medium"/>
+            </a:endParaRPr>
+          </a:p>
+          <a:p>
+            <a:endParaRPr lang="ro-RO" sz="3000" dirty="0">
+              <a:latin typeface="Avenir Medium"/>
+              <a:cs typeface="Avenir Medium"/>
+            </a:endParaRPr>
+          </a:p>
+          <a:p>
+            <a:endParaRPr lang="ro-RO" sz="3000" dirty="0">
+              <a:latin typeface="Avenir Medium"/>
+              <a:cs typeface="Avenir Medium"/>
+            </a:endParaRPr>
+          </a:p>
+        </p:txBody>
+      </p:sp>
+    </p:spTree>
+    <p:extLst>
+      <p:ext uri="{BB962C8B-B14F-4D97-AF65-F5344CB8AC3E}">
+        <p14:creationId xmlns:p14="http://schemas.microsoft.com/office/powerpoint/2010/main" val="16761523"/>
       </p:ext>
     </p:extLst>
   </p:cSld>
